--- a/summary-2020-10a11/report.pptx
+++ b/summary-2020-10a11/report.pptx
@@ -5,22 +5,22 @@
     <p:sldMasterId id="2147483648" r:id="rId1"/>
   </p:sldMasterIdLst>
   <p:notesMasterIdLst>
-    <p:notesMasterId r:id="rId13"/>
+    <p:notesMasterId r:id="rId5"/>
   </p:notesMasterIdLst>
   <p:handoutMasterIdLst>
     <p:handoutMasterId r:id="rId14"/>
   </p:handoutMasterIdLst>
   <p:sldIdLst>
     <p:sldId id="256" r:id="rId3"/>
-    <p:sldId id="260" r:id="rId4"/>
-    <p:sldId id="259" r:id="rId5"/>
-    <p:sldId id="268" r:id="rId6"/>
-    <p:sldId id="257" r:id="rId7"/>
-    <p:sldId id="258" r:id="rId8"/>
-    <p:sldId id="261" r:id="rId9"/>
-    <p:sldId id="262" r:id="rId10"/>
-    <p:sldId id="263" r:id="rId11"/>
-    <p:sldId id="264" r:id="rId12"/>
+    <p:sldId id="268" r:id="rId4"/>
+    <p:sldId id="260" r:id="rId6"/>
+    <p:sldId id="259" r:id="rId7"/>
+    <p:sldId id="257" r:id="rId8"/>
+    <p:sldId id="258" r:id="rId9"/>
+    <p:sldId id="261" r:id="rId10"/>
+    <p:sldId id="262" r:id="rId11"/>
+    <p:sldId id="263" r:id="rId12"/>
+    <p:sldId id="264" r:id="rId13"/>
   </p:sldIdLst>
   <p:sldSz cx="12192000" cy="6858000"/>
   <p:notesSz cx="7103745" cy="10234295"/>
@@ -627,6 +627,50 @@
 </p:notesMaster>
 </file>
 
+<file path=ppt/notesSlides/notesSlide1.xml><?xml version="1.0" encoding="utf-8"?>
+<p:notes xmlns:a="http://schemas.openxmlformats.org/drawingml/2006/main" xmlns:r="http://schemas.openxmlformats.org/officeDocument/2006/relationships" xmlns:p="http://schemas.openxmlformats.org/presentationml/2006/main">
+  <p:cSld>
+    <p:spTree>
+      <p:nvGrpSpPr>
+        <p:cNvPr id="1" name=""/>
+        <p:cNvGrpSpPr/>
+        <p:nvPr/>
+      </p:nvGrpSpPr>
+      <p:grpSpPr/>
+      <p:sp>
+        <p:nvSpPr>
+          <p:cNvPr id="2" name="幻灯片图像占位符 1"/>
+          <p:cNvSpPr/>
+          <p:nvPr>
+            <p:ph type="sldImg" idx="2"/>
+          </p:nvPr>
+        </p:nvSpPr>
+        <p:spPr/>
+      </p:sp>
+      <p:sp>
+        <p:nvSpPr>
+          <p:cNvPr id="3" name="文本占位符 2"/>
+          <p:cNvSpPr/>
+          <p:nvPr>
+            <p:ph type="body" idx="3"/>
+          </p:nvPr>
+        </p:nvSpPr>
+        <p:spPr/>
+        <p:txBody>
+          <a:bodyPr/>
+          <a:p>
+            <a:endParaRPr lang="zh-CN" altLang="en-US"/>
+          </a:p>
+        </p:txBody>
+      </p:sp>
+    </p:spTree>
+  </p:cSld>
+  <p:clrMapOvr>
+    <a:masterClrMapping/>
+  </p:clrMapOvr>
+</p:notes>
+</file>
+
 <file path=ppt/slideLayouts/slideLayout1.xml><?xml version="1.0" encoding="utf-8"?>
 <p:sldLayout xmlns:a="http://schemas.openxmlformats.org/drawingml/2006/main" xmlns:r="http://schemas.openxmlformats.org/officeDocument/2006/relationships" xmlns:p="http://schemas.openxmlformats.org/presentationml/2006/main" type="title" preserve="1">
   <p:cSld name="标题幻灯片">
@@ -3148,6 +3192,30 @@
           </a:p>
         </p:txBody>
       </p:sp>
+      <p:pic>
+        <p:nvPicPr>
+          <p:cNvPr id="7" name="图片 6"/>
+          <p:cNvPicPr>
+            <a:picLocks noChangeAspect="true"/>
+          </p:cNvPicPr>
+          <p:nvPr userDrawn="true"/>
+        </p:nvPicPr>
+        <p:blipFill>
+          <a:blip r:embed="rId11"/>
+          <a:stretch>
+            <a:fillRect/>
+          </a:stretch>
+        </p:blipFill>
+        <p:spPr>
+          <a:xfrm>
+            <a:off x="11353800" y="6356350"/>
+            <a:ext cx="750570" cy="375920"/>
+          </a:xfrm>
+          <a:prstGeom prst="rect">
+            <a:avLst/>
+          </a:prstGeom>
+        </p:spPr>
+      </p:pic>
     </p:spTree>
   </p:cSld>
   <p:clrMap bg1="lt1" tx1="dk1" bg2="lt2" tx2="dk2" accent1="accent1" accent2="accent2" accent3="accent3" accent4="accent4" accent5="accent5" accent6="accent6" hlink="hlink" folHlink="folHlink"/>
@@ -3466,22 +3534,40 @@
             <p:ph type="ctrTitle"/>
           </p:nvPr>
         </p:nvSpPr>
-        <p:spPr/>
+        <p:spPr>
+          <a:xfrm>
+            <a:off x="1524000" y="1629667"/>
+            <a:ext cx="9144000" cy="2187001"/>
+          </a:xfrm>
+        </p:spPr>
         <p:txBody>
           <a:bodyPr>
             <a:normAutofit/>
           </a:bodyPr>
           <a:p>
-            <a:pPr algn="ctr"/>
-            <a:r>
-              <a:rPr lang="en-US" altLang="zh-CN" sz="3600"/>
+            <a:pPr algn="ctr">
+              <a:lnSpc>
+                <a:spcPct val="100000"/>
+              </a:lnSpc>
+            </a:pPr>
+            <a:r>
+              <a:rPr lang="en-US" altLang="zh-CN" sz="3600">
+                <a:latin typeface="KacstArt" panose="02000000000000000000" charset="0"/>
+                <a:cs typeface="KacstArt" panose="02000000000000000000" charset="0"/>
+              </a:rPr>
               <a:t>Negotiation Agent based on deep reinforcement learning Method</a:t>
             </a:r>
             <a:r>
-              <a:rPr lang="en-US" altLang="zh-CN"/>
+              <a:rPr lang="en-US" altLang="zh-CN">
+                <a:latin typeface="KacstArt" panose="02000000000000000000" charset="0"/>
+                <a:cs typeface="KacstArt" panose="02000000000000000000" charset="0"/>
+              </a:rPr>
               <a:t> </a:t>
             </a:r>
-            <a:endParaRPr lang="en-US" altLang="zh-CN" sz="2800"/>
+            <a:endParaRPr lang="en-US" altLang="zh-CN" sz="2800">
+              <a:latin typeface="KacstArt" panose="02000000000000000000" charset="0"/>
+              <a:cs typeface="KacstArt" panose="02000000000000000000" charset="0"/>
+            </a:endParaRPr>
           </a:p>
         </p:txBody>
       </p:sp>
@@ -3570,17 +3656,70 @@
           <a:p>
             <a:r>
               <a:rPr lang="en-US" altLang="zh-CN"/>
-              <a:t>Hybrid Negotiation (both acceptance and offer/bidding strategy)</a:t>
+              <a:t>Hybrid Negotiation </a:t>
             </a:r>
             <a:endParaRPr lang="en-US" altLang="zh-CN"/>
           </a:p>
           <a:p>
+            <a:pPr marL="0" indent="0">
+              <a:buNone/>
+            </a:pPr>
+            <a:r>
+              <a:rPr lang="en-US" altLang="zh-CN">
+                <a:sym typeface="+mn-ea"/>
+              </a:rPr>
+              <a:t>(consider both acceptance and offer/bidding strategy)</a:t>
+            </a:r>
             <a:endParaRPr lang="en-US" altLang="zh-CN"/>
           </a:p>
           <a:p>
+            <a:endParaRPr lang="en-US" altLang="zh-CN"/>
+          </a:p>
+          <a:p>
             <a:r>
               <a:rPr lang="en-US" altLang="zh-CN"/>
-              <a:t>SCML agent based on deep reinforcement learning method</a:t>
+              <a:t>SCML’s learning environment</a:t>
+            </a:r>
+            <a:endParaRPr lang="en-US" altLang="zh-CN"/>
+          </a:p>
+          <a:p>
+            <a:r>
+              <a:rPr lang="en-US" altLang="zh-CN"/>
+              <a:t>SCML’s agent based on deep reinforcement learning method</a:t>
+            </a:r>
+            <a:endParaRPr lang="en-US" altLang="zh-CN"/>
+          </a:p>
+          <a:p>
+            <a:pPr marL="0" indent="0">
+              <a:buNone/>
+            </a:pPr>
+            <a:r>
+              <a:rPr lang="en-US" altLang="zh-CN"/>
+              <a:t>1. Trading strategy, predict</a:t>
+            </a:r>
+            <a:endParaRPr lang="en-US" altLang="zh-CN"/>
+          </a:p>
+          <a:p>
+            <a:pPr marL="0" indent="0">
+              <a:buNone/>
+            </a:pPr>
+            <a:r>
+              <a:rPr lang="en-US" altLang="zh-CN"/>
+              <a:t>2. </a:t>
+            </a:r>
+            <a:r>
+              <a:rPr lang="en-US" altLang="zh-CN" b="1"/>
+              <a:t>Negotiation Manager, Maily work here, use DRL method</a:t>
+            </a:r>
+            <a:endParaRPr lang="en-US" altLang="zh-CN"/>
+          </a:p>
+          <a:p>
+            <a:pPr marL="0" indent="0">
+              <a:buNone/>
+            </a:pPr>
+            <a:r>
+              <a:rPr lang="en-US" altLang="zh-CN"/>
+              <a:t>3. Production Strategy</a:t>
             </a:r>
             <a:endParaRPr lang="en-US" altLang="zh-CN"/>
           </a:p>
@@ -3614,15 +3753,127 @@
             <p:ph type="title"/>
           </p:nvPr>
         </p:nvSpPr>
+        <p:spPr>
+          <a:xfrm>
+            <a:off x="647700" y="248285"/>
+            <a:ext cx="10515600" cy="768350"/>
+          </a:xfrm>
+        </p:spPr>
+        <p:txBody>
+          <a:bodyPr/>
+          <a:p>
+            <a:r>
+              <a:rPr lang="en-US" altLang="zh-CN"/>
+              <a:t>Model (Algorithm) and Policy network</a:t>
+            </a:r>
+            <a:endParaRPr lang="en-US" altLang="zh-CN"/>
+          </a:p>
+        </p:txBody>
+      </p:sp>
+      <p:sp>
+        <p:nvSpPr>
+          <p:cNvPr id="3" name="内容占位符 2"/>
+          <p:cNvSpPr>
+            <a:spLocks noGrp="true"/>
+          </p:cNvSpPr>
+          <p:nvPr>
+            <p:ph idx="1"/>
+          </p:nvPr>
+        </p:nvSpPr>
         <p:spPr/>
         <p:txBody>
-          <a:bodyPr/>
-          <a:p>
+          <a:bodyPr>
+            <a:normAutofit/>
+          </a:bodyPr>
+          <a:p>
+            <a:pPr marL="0" indent="0" algn="ctr">
+              <a:buNone/>
+            </a:pPr>
+            <a:r>
+              <a:rPr lang="en-US" altLang="zh-CN" b="1"/>
+              <a:t>Features representation</a:t>
+            </a:r>
+            <a:r>
+              <a:rPr lang="zh-CN" altLang="en-US" b="1"/>
+              <a:t>，</a:t>
+            </a:r>
+            <a:r>
+              <a:rPr lang="en-US" altLang="zh-CN" b="1"/>
+              <a:t>Decision</a:t>
+            </a:r>
+            <a:endParaRPr lang="en-US" altLang="zh-CN"/>
+          </a:p>
+        </p:txBody>
+      </p:sp>
+      <p:pic>
+        <p:nvPicPr>
+          <p:cNvPr id="5" name="图片 4" descr="report(2)"/>
+          <p:cNvPicPr>
+            <a:picLocks noChangeAspect="true"/>
+          </p:cNvPicPr>
+          <p:nvPr/>
+        </p:nvPicPr>
+        <p:blipFill>
+          <a:blip r:embed="rId1"/>
+          <a:stretch>
+            <a:fillRect/>
+          </a:stretch>
+        </p:blipFill>
+        <p:spPr>
+          <a:xfrm>
+            <a:off x="493395" y="1508125"/>
+            <a:ext cx="11205210" cy="4775835"/>
+          </a:xfrm>
+          <a:prstGeom prst="rect">
+            <a:avLst/>
+          </a:prstGeom>
+        </p:spPr>
+      </p:pic>
+      <p:sp>
+        <p:nvSpPr>
+          <p:cNvPr id="6" name="文本框 5"/>
+          <p:cNvSpPr txBox="true"/>
+          <p:nvPr/>
+        </p:nvSpPr>
+        <p:spPr>
+          <a:xfrm>
+            <a:off x="3226435" y="955675"/>
+            <a:ext cx="5007610" cy="368300"/>
+          </a:xfrm>
+          <a:prstGeom prst="rect">
+            <a:avLst/>
+          </a:prstGeom>
+          <a:noFill/>
+        </p:spPr>
+        <p:txBody>
+          <a:bodyPr wrap="square" rtlCol="0">
+            <a:spAutoFit/>
+          </a:bodyPr>
+          <a:p>
+            <a:pPr algn="ctr"/>
             <a:r>
               <a:rPr lang="en-US" altLang="zh-CN">
                 <a:sym typeface="+mn-ea"/>
               </a:rPr>
-              <a:t>Introduction of environment and game</a:t>
+              <a:t>	DQN (</a:t>
+            </a:r>
+            <a:r>
+              <a:rPr lang="en-US" altLang="zh-CN">
+                <a:sym typeface="+mn-ea"/>
+              </a:rPr>
+              <a:t>Deep Q-Networks</a:t>
+            </a:r>
+            <a:r>
+              <a:rPr lang="en-US" altLang="zh-CN">
+                <a:sym typeface="+mn-ea"/>
+              </a:rPr>
+              <a:t>)</a:t>
+            </a:r>
+            <a:r>
+              <a:rPr lang="zh-CN" altLang="en-US">
+                <a:sym typeface="+mn-ea"/>
+              </a:rPr>
+              <a:t>：</a:t>
             </a:r>
             <a:endParaRPr lang="zh-CN" altLang="en-US"/>
           </a:p>
@@ -3630,98 +3881,31 @@
       </p:sp>
       <p:sp>
         <p:nvSpPr>
-          <p:cNvPr id="3" name="内容占位符 2"/>
-          <p:cNvSpPr>
-            <a:spLocks noGrp="true"/>
-          </p:cNvSpPr>
-          <p:nvPr>
-            <p:ph idx="1"/>
-          </p:nvPr>
-        </p:nvSpPr>
-        <p:spPr/>
-        <p:txBody>
-          <a:bodyPr>
-            <a:normAutofit lnSpcReduction="10000"/>
+          <p:cNvPr id="7" name="文本框 6"/>
+          <p:cNvSpPr txBox="true"/>
+          <p:nvPr/>
+        </p:nvSpPr>
+        <p:spPr>
+          <a:xfrm>
+            <a:off x="3562985" y="6374130"/>
+            <a:ext cx="4909185" cy="368300"/>
+          </a:xfrm>
+          <a:prstGeom prst="rect">
+            <a:avLst/>
+          </a:prstGeom>
+          <a:noFill/>
+        </p:spPr>
+        <p:txBody>
+          <a:bodyPr wrap="square" rtlCol="0">
+            <a:spAutoFit/>
           </a:bodyPr>
           <a:p>
-            <a:r>
-              <a:rPr lang="en-US" altLang="zh-CN"/>
-              <a:t>Environment: NegotiationEnv</a:t>
-            </a:r>
-            <a:endParaRPr lang="en-US" altLang="zh-CN"/>
-          </a:p>
-          <a:p>
-            <a:pPr marL="0" indent="0">
-              <a:buNone/>
-            </a:pPr>
-            <a:endParaRPr lang="en-US" altLang="zh-CN"/>
-          </a:p>
-          <a:p>
-            <a:pPr marL="0" indent="0">
-              <a:buNone/>
-            </a:pPr>
-            <a:r>
-              <a:rPr lang="en-US" altLang="zh-CN"/>
-              <a:t>Subclass of gym.env </a:t>
-            </a:r>
-            <a:r>
-              <a:rPr lang="en-US" altLang="zh-CN">
-                <a:hlinkClick r:id="rId1" action="ppaction://hlinkfile"/>
-              </a:rPr>
-              <a:t>https://github.com/openai/gym</a:t>
-            </a:r>
-            <a:endParaRPr lang="en-US" altLang="zh-CN">
-              <a:hlinkClick r:id="rId1" action="ppaction://hlinkfile"/>
-            </a:endParaRPr>
-          </a:p>
-          <a:p>
-            <a:pPr marL="0" indent="0">
-              <a:buNone/>
-            </a:pPr>
-            <a:endParaRPr lang="en-US" altLang="zh-CN"/>
-          </a:p>
-          <a:p>
-            <a:pPr marL="0" indent="0">
-              <a:buNone/>
-            </a:pPr>
-            <a:r>
-              <a:rPr lang="en-US" altLang="zh-CN"/>
-              <a:t>Define and set the observation space and action space, render the environment</a:t>
-            </a:r>
-            <a:endParaRPr lang="en-US" altLang="zh-CN"/>
-          </a:p>
-          <a:p>
-            <a:pPr marL="0" indent="0">
-              <a:buNone/>
-            </a:pPr>
-            <a:r>
-              <a:rPr lang="en-US" altLang="zh-CN"/>
-              <a:t>in this class. Env is designed as the portal of model, model interacts always diretly with environment.</a:t>
-            </a:r>
-            <a:endParaRPr lang="en-US" altLang="zh-CN"/>
-          </a:p>
-          <a:p>
-            <a:pPr marL="0" indent="0">
-              <a:buNone/>
-            </a:pPr>
-            <a:endParaRPr lang="en-US" altLang="zh-CN"/>
-          </a:p>
-          <a:p>
-            <a:r>
-              <a:rPr lang="en-US" altLang="zh-CN"/>
-              <a:t>Game: NegotiationGame</a:t>
-            </a:r>
-            <a:endParaRPr lang="en-US" altLang="zh-CN"/>
-          </a:p>
-          <a:p>
-            <a:pPr marL="0" indent="0">
-              <a:buNone/>
-            </a:pPr>
-            <a:r>
-              <a:rPr lang="en-US" altLang="zh-CN"/>
-              <a:t>Wrap the negmas session (using SAOMechainsm) so that the environment can easily and securely connect the model with the session.</a:t>
-            </a:r>
-            <a:endParaRPr lang="en-US" altLang="zh-CN"/>
+            <a:pPr algn="ctr"/>
+            <a:r>
+              <a:rPr lang="en-US" altLang="zh-CN" b="1"/>
+              <a:t>Features representation, Decision</a:t>
+            </a:r>
+            <a:endParaRPr lang="en-US" altLang="zh-CN" b="1"/>
           </a:p>
         </p:txBody>
       </p:sp>
@@ -3753,47 +3937,85 @@
             <p:ph type="title"/>
           </p:nvPr>
         </p:nvSpPr>
-        <p:spPr/>
+        <p:spPr>
+          <a:xfrm>
+            <a:off x="647700" y="258445"/>
+            <a:ext cx="10515600" cy="702945"/>
+          </a:xfrm>
+        </p:spPr>
         <p:txBody>
           <a:bodyPr/>
           <a:p>
             <a:r>
+              <a:rPr lang="en-US" altLang="zh-CN">
+                <a:sym typeface="+mn-ea"/>
+              </a:rPr>
+              <a:t>Introduction of environment and game</a:t>
+            </a:r>
+            <a:endParaRPr lang="zh-CN" altLang="en-US"/>
+          </a:p>
+        </p:txBody>
+      </p:sp>
+      <p:sp>
+        <p:nvSpPr>
+          <p:cNvPr id="3" name="内容占位符 2"/>
+          <p:cNvSpPr>
+            <a:spLocks noGrp="true"/>
+          </p:cNvSpPr>
+          <p:nvPr>
+            <p:ph idx="1"/>
+          </p:nvPr>
+        </p:nvSpPr>
+        <p:spPr>
+          <a:xfrm>
+            <a:off x="647700" y="1202690"/>
+            <a:ext cx="10515600" cy="4974590"/>
+          </a:xfrm>
+        </p:spPr>
+        <p:txBody>
+          <a:bodyPr>
+            <a:normAutofit lnSpcReduction="10000"/>
+          </a:bodyPr>
+          <a:p>
+            <a:r>
+              <a:rPr lang="en-US" altLang="zh-CN" b="1"/>
+              <a:t>Environment: NegotiationEnv</a:t>
+            </a:r>
+            <a:endParaRPr lang="en-US" altLang="zh-CN"/>
+          </a:p>
+          <a:p>
+            <a:pPr marL="0" indent="0">
+              <a:buNone/>
+            </a:pPr>
+            <a:r>
               <a:rPr lang="en-US" altLang="zh-CN"/>
-              <a:t>Introduction of negotiators</a:t>
+              <a:t>Build on the top of </a:t>
+            </a:r>
+            <a:r>
+              <a:rPr lang="en-US" altLang="zh-CN">
+                <a:hlinkClick r:id="rId1" tooltip="" action="ppaction://hlinkfile"/>
+              </a:rPr>
+              <a:t>gym.env</a:t>
             </a:r>
             <a:endParaRPr lang="en-US" altLang="zh-CN"/>
           </a:p>
-        </p:txBody>
-      </p:sp>
-      <p:sp>
-        <p:nvSpPr>
-          <p:cNvPr id="3" name="内容占位符 2"/>
-          <p:cNvSpPr>
-            <a:spLocks noGrp="true"/>
-          </p:cNvSpPr>
-          <p:nvPr>
-            <p:ph idx="1"/>
-          </p:nvPr>
-        </p:nvSpPr>
-        <p:spPr/>
-        <p:txBody>
-          <a:bodyPr/>
-          <a:p>
+          <a:p>
+            <a:pPr marL="0" indent="0">
+              <a:buNone/>
+            </a:pPr>
             <a:r>
               <a:rPr lang="en-US" altLang="zh-CN"/>
-              <a:t>DRLNegotiator</a:t>
-            </a:r>
-            <a:endParaRPr lang="en-US" altLang="zh-CN"/>
-          </a:p>
-          <a:p>
-            <a:pPr marL="0" indent="0">
-              <a:buNone/>
-            </a:pPr>
-            <a:r>
-              <a:rPr lang="en-US" altLang="zh-CN"/>
-              <a:t>Subclass of AspirationNegotiator(Negmas), define some attributes and method that will be used by drl model.</a:t>
-            </a:r>
-            <a:endParaRPr lang="en-US" altLang="zh-CN"/>
+              <a:t>source code of environment </a:t>
+            </a:r>
+            <a:r>
+              <a:rPr lang="en-US" altLang="zh-CN">
+                <a:hlinkClick r:id="rId2" tooltip="" action="ppaction://hlinkfile"/>
+              </a:rPr>
+              <a:t>https://github.com/YueNing/tn_source_code</a:t>
+            </a:r>
+            <a:endParaRPr lang="en-US" altLang="zh-CN">
+              <a:hlinkClick r:id="rId2" tooltip="" action="ppaction://hlinkfile"/>
+            </a:endParaRPr>
           </a:p>
           <a:p>
             <a:pPr marL="0" indent="0">
@@ -3802,9 +4024,12 @@
             <a:endParaRPr lang="en-US" altLang="zh-CN"/>
           </a:p>
           <a:p>
+            <a:pPr marL="0" indent="0">
+              <a:buNone/>
+            </a:pPr>
             <a:r>
               <a:rPr lang="en-US" altLang="zh-CN"/>
-              <a:t>MyDRLNegotiator</a:t>
+              <a:t>Observation Space: (Offer_of_Opponent, time)</a:t>
             </a:r>
             <a:endParaRPr lang="en-US" altLang="zh-CN"/>
           </a:p>
@@ -3814,7 +4039,47 @@
             </a:pPr>
             <a:r>
               <a:rPr lang="en-US" altLang="zh-CN"/>
-              <a:t>Subclass of DRLNegotiator, overrides methods respond and propose, the logic of repsond and propose is related with the drl model.</a:t>
+              <a:t>Action Space: </a:t>
+            </a:r>
+            <a:endParaRPr lang="en-US" altLang="zh-CN"/>
+          </a:p>
+          <a:p>
+            <a:pPr marL="0" indent="0">
+              <a:buNone/>
+            </a:pPr>
+            <a:r>
+              <a:rPr lang="en-US" altLang="zh-CN"/>
+              <a:t>	Learning acceptance strategy: </a:t>
+            </a:r>
+            <a:endParaRPr lang="en-US" altLang="zh-CN"/>
+          </a:p>
+          <a:p>
+            <a:pPr marL="0" indent="0">
+              <a:buNone/>
+            </a:pPr>
+            <a:r>
+              <a:rPr lang="en-US" altLang="zh-CN"/>
+              <a:t>		ResponseType.ACCEPT_OFFER, REJECT_OFFER, END_NEGOTIATION</a:t>
+            </a:r>
+            <a:endParaRPr lang="en-US" altLang="zh-CN"/>
+          </a:p>
+          <a:p>
+            <a:pPr marL="0" indent="0">
+              <a:buNone/>
+            </a:pPr>
+            <a:r>
+              <a:rPr lang="en-US" altLang="zh-CN"/>
+              <a:t>	 Learning offer/bidding strategy: </a:t>
+            </a:r>
+            <a:endParaRPr lang="en-US" altLang="zh-CN"/>
+          </a:p>
+          <a:p>
+            <a:pPr marL="0" indent="0">
+              <a:buNone/>
+            </a:pPr>
+            <a:r>
+              <a:rPr lang="en-US" altLang="zh-CN"/>
+              <a:t>		Outcomes of negotiation</a:t>
             </a:r>
             <a:endParaRPr lang="en-US" altLang="zh-CN"/>
           </a:p>
@@ -3826,18 +4091,18 @@
           </a:p>
           <a:p>
             <a:r>
+              <a:rPr lang="en-US" altLang="zh-CN" b="1"/>
+              <a:t>Game: NegotiationGame</a:t>
+            </a:r>
+            <a:endParaRPr lang="en-US" altLang="zh-CN"/>
+          </a:p>
+          <a:p>
+            <a:pPr marL="0" indent="0">
+              <a:buNone/>
+            </a:pPr>
+            <a:r>
               <a:rPr lang="en-US" altLang="zh-CN"/>
-              <a:t>MyOpponentNegotiator</a:t>
-            </a:r>
-            <a:endParaRPr lang="en-US" altLang="zh-CN"/>
-          </a:p>
-          <a:p>
-            <a:pPr marL="0" indent="0">
-              <a:buNone/>
-            </a:pPr>
-            <a:r>
-              <a:rPr lang="en-US" altLang="zh-CN"/>
-              <a:t>Subclass of DRLNegotiator, almost similar as the AspirationNegotiator, just set some needed attributes defined in DRLNegotiator.</a:t>
+              <a:t>	Wrap the negmas session (using SAOMechainsm)</a:t>
             </a:r>
             <a:endParaRPr lang="en-US" altLang="zh-CN"/>
           </a:p>
@@ -3877,7 +4142,7 @@
           <a:p>
             <a:r>
               <a:rPr lang="en-US" altLang="zh-CN"/>
-              <a:t>Model (Algorithm) and Policy network</a:t>
+              <a:t>Negotiators</a:t>
             </a:r>
             <a:endParaRPr lang="en-US" altLang="zh-CN"/>
           </a:p>
@@ -3885,7 +4150,7 @@
       </p:sp>
       <p:sp>
         <p:nvSpPr>
-          <p:cNvPr id="3" name="内容占位符 2"/>
+          <p:cNvPr id="7" name="内容占位符 6"/>
           <p:cNvSpPr>
             <a:spLocks noGrp="true"/>
           </p:cNvSpPr>
@@ -3897,79 +4162,34 @@
         <p:txBody>
           <a:bodyPr/>
           <a:p>
-            <a:r>
-              <a:rPr lang="en-US" altLang="zh-CN"/>
-              <a:t>DQN</a:t>
-            </a:r>
-            <a:endParaRPr lang="en-US" altLang="zh-CN"/>
-          </a:p>
-          <a:p>
-            <a:pPr marL="0" indent="0">
-              <a:buNone/>
-            </a:pPr>
-            <a:r>
-              <a:rPr lang="en-US" altLang="zh-CN"/>
-              <a:t>Deep Q-Networks, discrete action, continious observation space</a:t>
-            </a:r>
-            <a:endParaRPr lang="en-US" altLang="zh-CN"/>
-          </a:p>
-          <a:p>
-            <a:pPr marL="0" indent="0">
-              <a:buNone/>
-            </a:pPr>
-            <a:endParaRPr lang="en-US" altLang="zh-CN"/>
-          </a:p>
-          <a:p>
-            <a:pPr marL="0" indent="0">
-              <a:buNone/>
-            </a:pPr>
-            <a:r>
-              <a:rPr lang="en-US" altLang="zh-CN"/>
-              <a:t>MlpPolicy Network: </a:t>
-            </a:r>
-            <a:endParaRPr lang="en-US" altLang="zh-CN"/>
-          </a:p>
-          <a:p>
-            <a:pPr marL="0" indent="0">
-              <a:buNone/>
-            </a:pPr>
-            <a:endParaRPr lang="en-US" altLang="zh-CN"/>
-          </a:p>
-          <a:p>
-            <a:r>
-              <a:rPr lang="en-US" altLang="zh-CN"/>
-              <a:t>PPO1</a:t>
-            </a:r>
-            <a:endParaRPr lang="en-US" altLang="zh-CN"/>
-          </a:p>
-          <a:p>
-            <a:pPr marL="0" indent="0">
-              <a:buNone/>
-            </a:pPr>
-            <a:r>
-              <a:rPr lang="en-US" altLang="zh-CN"/>
-              <a:t>Discrete or continious action space, continiuous observation space</a:t>
-            </a:r>
-            <a:endParaRPr lang="en-US" altLang="zh-CN"/>
-          </a:p>
-          <a:p>
-            <a:pPr marL="0" indent="0">
-              <a:buNone/>
-            </a:pPr>
-            <a:endParaRPr lang="en-US" altLang="zh-CN"/>
-          </a:p>
-          <a:p>
-            <a:pPr marL="0" indent="0">
-              <a:buNone/>
-            </a:pPr>
-            <a:r>
-              <a:rPr lang="en-US" altLang="zh-CN"/>
-              <a:t>MlpPolicy Network</a:t>
-            </a:r>
-            <a:endParaRPr lang="en-US" altLang="zh-CN"/>
-          </a:p>
-        </p:txBody>
-      </p:sp>
+            <a:endParaRPr lang="zh-CN" altLang="en-US"/>
+          </a:p>
+        </p:txBody>
+      </p:sp>
+      <p:pic>
+        <p:nvPicPr>
+          <p:cNvPr id="6" name="图片 5" descr="Untitled Diagram(2)"/>
+          <p:cNvPicPr>
+            <a:picLocks noChangeAspect="true"/>
+          </p:cNvPicPr>
+          <p:nvPr/>
+        </p:nvPicPr>
+        <p:blipFill>
+          <a:blip r:embed="rId1"/>
+          <a:stretch>
+            <a:fillRect/>
+          </a:stretch>
+        </p:blipFill>
+        <p:spPr>
+          <a:xfrm>
+            <a:off x="3034030" y="70485"/>
+            <a:ext cx="8117840" cy="6717030"/>
+          </a:xfrm>
+          <a:prstGeom prst="rect">
+            <a:avLst/>
+          </a:prstGeom>
+        </p:spPr>
+      </p:pic>
     </p:spTree>
   </p:cSld>
   <p:clrMapOvr>
@@ -4033,7 +4253,23 @@
           <a:p>
             <a:r>
               <a:rPr lang="en-US" altLang="zh-CN"/>
-              <a:t>Chart: Episode reward, total 10000 steps</a:t>
+              <a:t>Chart: </a:t>
+            </a:r>
+            <a:r>
+              <a:rPr lang="en-US" altLang="zh-CN" b="1"/>
+              <a:t>Episode reward(Y-axis)</a:t>
+            </a:r>
+            <a:r>
+              <a:rPr lang="en-US" altLang="zh-CN"/>
+              <a:t>, total 10000 steps(</a:t>
+            </a:r>
+            <a:r>
+              <a:rPr lang="en-US" altLang="zh-CN" b="1"/>
+              <a:t>X-axis</a:t>
+            </a:r>
+            <a:r>
+              <a:rPr lang="en-US" altLang="zh-CN"/>
+              <a:t>)</a:t>
             </a:r>
             <a:endParaRPr lang="en-US" altLang="zh-CN"/>
           </a:p>
@@ -4067,8 +4303,8 @@
         </p:blipFill>
         <p:spPr>
           <a:xfrm>
-            <a:off x="733425" y="2917825"/>
-            <a:ext cx="10058400" cy="2805430"/>
+            <a:off x="540000" y="3060000"/>
+            <a:ext cx="10325759" cy="2880000"/>
           </a:xfrm>
           <a:prstGeom prst="rect">
             <a:avLst/>
@@ -4169,14 +4405,32 @@
               <a:rPr lang="en-US" altLang="zh-CN"/>
               <a:t>MyDRLNegotiator vs MyOpponentNegotiator</a:t>
             </a:r>
-            <a:endParaRPr lang="en-US" altLang="zh-CN"/>
-          </a:p>
-          <a:p>
             <a:r>
               <a:rPr lang="en-US" altLang="zh-CN">
                 <a:sym typeface="+mn-ea"/>
               </a:rPr>
-              <a:t>Chart: Episode reward, total 10000 steps</a:t>
+              <a:t>(AspirationNegotiator)</a:t>
+            </a:r>
+            <a:endParaRPr lang="en-US" altLang="zh-CN"/>
+          </a:p>
+          <a:p>
+            <a:r>
+              <a:rPr lang="en-US" altLang="zh-CN">
+                <a:sym typeface="+mn-ea"/>
+              </a:rPr>
+              <a:t>Chart: </a:t>
+            </a:r>
+            <a:r>
+              <a:rPr lang="en-US" altLang="zh-CN" b="1">
+                <a:sym typeface="+mn-ea"/>
+              </a:rPr>
+              <a:t>Episode reward</a:t>
+            </a:r>
+            <a:r>
+              <a:rPr lang="en-US" altLang="zh-CN">
+                <a:sym typeface="+mn-ea"/>
+              </a:rPr>
+              <a:t>, total 1000 steps</a:t>
             </a:r>
             <a:endParaRPr lang="en-US" altLang="zh-CN"/>
           </a:p>
@@ -4204,8 +4458,8 @@
         </p:blipFill>
         <p:spPr>
           <a:xfrm>
-            <a:off x="647700" y="3173095"/>
-            <a:ext cx="10058400" cy="2781935"/>
+            <a:off x="540000" y="3060000"/>
+            <a:ext cx="10412964" cy="2880000"/>
           </a:xfrm>
           <a:prstGeom prst="rect">
             <a:avLst/>
@@ -4272,8 +4526,59 @@
             </a:r>
             <a:endParaRPr lang="en-US" altLang="zh-CN"/>
           </a:p>
-        </p:txBody>
-      </p:sp>
+          <a:p>
+            <a:r>
+              <a:rPr lang="en-US" altLang="zh-CN">
+                <a:sym typeface="+mn-ea"/>
+              </a:rPr>
+              <a:t>Chart: </a:t>
+            </a:r>
+            <a:r>
+              <a:rPr lang="en-US" altLang="zh-CN" b="1">
+                <a:sym typeface="+mn-ea"/>
+              </a:rPr>
+              <a:t>Episode reward</a:t>
+            </a:r>
+            <a:r>
+              <a:rPr lang="en-US" altLang="zh-CN">
+                <a:sym typeface="+mn-ea"/>
+              </a:rPr>
+              <a:t>, total 10000 steps</a:t>
+            </a:r>
+            <a:endParaRPr lang="en-US" altLang="zh-CN"/>
+          </a:p>
+        </p:txBody>
+      </p:sp>
+      <p:pic>
+        <p:nvPicPr>
+          <p:cNvPr id="6" name="图片 5" descr="episode_reward"/>
+          <p:cNvPicPr>
+            <a:picLocks noChangeAspect="true"/>
+          </p:cNvPicPr>
+          <p:nvPr/>
+        </p:nvPicPr>
+        <p:blipFill>
+          <a:blip r:embed="rId1">
+            <a:extLst>
+              <a:ext uri="{96DAC541-7B7A-43D3-8B79-37D633B846F1}">
+                <asvg:svgBlip xmlns:asvg="http://schemas.microsoft.com/office/drawing/2016/SVG/main" r:embed="rId2"/>
+              </a:ext>
+            </a:extLst>
+          </a:blip>
+          <a:stretch>
+            <a:fillRect/>
+          </a:stretch>
+        </p:blipFill>
+        <p:spPr>
+          <a:xfrm>
+            <a:off x="595880" y="3060000"/>
+            <a:ext cx="10325067" cy="2880000"/>
+          </a:xfrm>
+          <a:prstGeom prst="rect">
+            <a:avLst/>
+          </a:prstGeom>
+        </p:spPr>
+      </p:pic>
     </p:spTree>
   </p:cSld>
   <p:clrMapOvr>
@@ -4338,10 +4643,67 @@
               <a:rPr lang="en-US" altLang="zh-CN"/>
               <a:t>MyDRLNegotiator vs MyOpponentNegotiator</a:t>
             </a:r>
+            <a:r>
+              <a:rPr lang="en-US" altLang="zh-CN">
+                <a:sym typeface="+mn-ea"/>
+              </a:rPr>
+              <a:t>(AspirationNegotiator)</a:t>
+            </a:r>
             <a:endParaRPr lang="en-US" altLang="zh-CN"/>
           </a:p>
-        </p:txBody>
-      </p:sp>
+          <a:p>
+            <a:r>
+              <a:rPr lang="en-US" altLang="zh-CN">
+                <a:sym typeface="+mn-ea"/>
+              </a:rPr>
+              <a:t>Chart: </a:t>
+            </a:r>
+            <a:r>
+              <a:rPr lang="en-US" altLang="zh-CN" b="1">
+                <a:sym typeface="+mn-ea"/>
+              </a:rPr>
+              <a:t>Episode reward</a:t>
+            </a:r>
+            <a:r>
+              <a:rPr lang="en-US" altLang="zh-CN">
+                <a:sym typeface="+mn-ea"/>
+              </a:rPr>
+              <a:t>, total 10000 steps</a:t>
+            </a:r>
+            <a:endParaRPr lang="en-US" altLang="zh-CN"/>
+          </a:p>
+        </p:txBody>
+      </p:sp>
+      <p:pic>
+        <p:nvPicPr>
+          <p:cNvPr id="4" name="图片 3" descr="episode_reward(1)"/>
+          <p:cNvPicPr>
+            <a:picLocks noChangeAspect="true"/>
+          </p:cNvPicPr>
+          <p:nvPr/>
+        </p:nvPicPr>
+        <p:blipFill>
+          <a:blip r:embed="rId1">
+            <a:extLst>
+              <a:ext uri="{96DAC541-7B7A-43D3-8B79-37D633B846F1}">
+                <asvg:svgBlip xmlns:asvg="http://schemas.microsoft.com/office/drawing/2016/SVG/main" r:embed="rId2"/>
+              </a:ext>
+            </a:extLst>
+          </a:blip>
+          <a:stretch>
+            <a:fillRect/>
+          </a:stretch>
+        </p:blipFill>
+        <p:spPr>
+          <a:xfrm>
+            <a:off x="540000" y="3060000"/>
+            <a:ext cx="10325468" cy="2880000"/>
+          </a:xfrm>
+          <a:prstGeom prst="rect">
+            <a:avLst/>
+          </a:prstGeom>
+        </p:spPr>
+      </p:pic>
     </p:spTree>
   </p:cSld>
   <p:clrMapOvr>
@@ -4376,7 +4738,7 @@
           <a:p>
             <a:r>
               <a:rPr lang="en-US" altLang="zh-CN"/>
-              <a:t>Questions</a:t>
+              <a:t>Questions about bilateral negotiation</a:t>
             </a:r>
             <a:endParaRPr lang="en-US" altLang="zh-CN"/>
           </a:p>
@@ -4403,6 +4765,14 @@
             <a:endParaRPr lang="en-US" altLang="zh-CN"/>
           </a:p>
           <a:p>
+            <a:pPr lvl="1"/>
+            <a:r>
+              <a:rPr lang="en-US" altLang="zh-CN" sz="1800"/>
+              <a:t>too hard to learn the ResponseType.ACCEPT_OFFER</a:t>
+            </a:r>
+            <a:endParaRPr lang="en-US" altLang="zh-CN"/>
+          </a:p>
+          <a:p>
             <a:r>
               <a:rPr lang="en-US" altLang="zh-CN"/>
               <a:t>Speed learning under multi issues</a:t>
@@ -4412,7 +4782,14 @@
           <a:p>
             <a:r>
               <a:rPr lang="en-US" altLang="zh-CN"/>
-              <a:t>Connect two strategy</a:t>
+              <a:t>Connect two strategies, not just fix one strategy, with method hybrid negotiation</a:t>
+            </a:r>
+            <a:endParaRPr lang="en-US" altLang="zh-CN"/>
+          </a:p>
+          <a:p>
+            <a:r>
+              <a:rPr lang="en-US" altLang="zh-CN"/>
+              <a:t>Evaluate the agent and others agents, qualitative and quantitative</a:t>
             </a:r>
             <a:endParaRPr lang="en-US" altLang="zh-CN"/>
           </a:p>

--- a/summary-2020-10a11/report.pptx
+++ b/summary-2020-10a11/report.pptx
@@ -3855,19 +3855,7 @@
               <a:rPr lang="en-US" altLang="zh-CN">
                 <a:sym typeface="+mn-ea"/>
               </a:rPr>
-              <a:t>	DQN (</a:t>
-            </a:r>
-            <a:r>
-              <a:rPr lang="en-US" altLang="zh-CN">
-                <a:sym typeface="+mn-ea"/>
-              </a:rPr>
-              <a:t>Deep Q-Networks</a:t>
-            </a:r>
-            <a:r>
-              <a:rPr lang="en-US" altLang="zh-CN">
-                <a:sym typeface="+mn-ea"/>
-              </a:rPr>
-              <a:t>)</a:t>
+              <a:t>	DQN (Deep Q-Networks)</a:t>
             </a:r>
             <a:r>
               <a:rPr lang="zh-CN" altLang="en-US">
@@ -3993,7 +3981,7 @@
             </a:r>
             <a:r>
               <a:rPr lang="en-US" altLang="zh-CN">
-                <a:hlinkClick r:id="rId1" tooltip="" action="ppaction://hlinkfile"/>
+                <a:hlinkClick r:id="rId1" action="ppaction://hlinkfile"/>
               </a:rPr>
               <a:t>gym.env</a:t>
             </a:r>
@@ -4009,12 +3997,12 @@
             </a:r>
             <a:r>
               <a:rPr lang="en-US" altLang="zh-CN">
-                <a:hlinkClick r:id="rId2" tooltip="" action="ppaction://hlinkfile"/>
+                <a:hlinkClick r:id="rId2" action="ppaction://hlinkfile"/>
               </a:rPr>
               <a:t>https://github.com/YueNing/tn_source_code</a:t>
             </a:r>
             <a:endParaRPr lang="en-US" altLang="zh-CN">
-              <a:hlinkClick r:id="rId2" tooltip="" action="ppaction://hlinkfile"/>
+              <a:hlinkClick r:id="rId2" action="ppaction://hlinkfile"/>
             </a:endParaRPr>
           </a:p>
           <a:p>
